--- a/04-System-Specification/Online Education PowerPoint Templates.pptx
+++ b/04-System-Specification/Online Education PowerPoint Templates.pptx
@@ -216,7 +216,7 @@
           <a:p>
             <a:fld id="{4AAAF045-FEF6-43EA-9CDC-C84FC3F85E9C}" type="datetimeFigureOut">
               <a:rPr lang="en-US" smtClean="0"/>
-              <a:t>5/6/23</a:t>
+              <a:t>5/8/23</a:t>
             </a:fld>
             <a:endParaRPr lang="en-US"/>
           </a:p>
@@ -7637,132 +7637,6 @@
       </p:sp>
       <p:sp>
         <p:nvSpPr>
-          <p:cNvPr id="5" name="Oval 1">
-            <a:extLst>
-              <a:ext uri="{FF2B5EF4-FFF2-40B4-BE49-F238E27FC236}">
-                <a16:creationId xmlns:a16="http://schemas.microsoft.com/office/drawing/2014/main" id="{8490908F-DEFE-4EA3-A8F9-603602006950}"/>
-              </a:ext>
-            </a:extLst>
-          </p:cNvPr>
-          <p:cNvSpPr>
-            <a:spLocks noChangeAspect="1"/>
-          </p:cNvSpPr>
-          <p:nvPr/>
-        </p:nvSpPr>
-        <p:spPr>
-          <a:xfrm>
-            <a:off x="1031377" y="5265096"/>
-            <a:ext cx="731520" cy="731520"/>
-          </a:xfrm>
-          <a:prstGeom prst="ellipse">
-            <a:avLst/>
-          </a:prstGeom>
-          <a:solidFill>
-            <a:schemeClr val="accent1"/>
-          </a:solidFill>
-          <a:ln w="63500">
-            <a:noFill/>
-          </a:ln>
-          <a:effectLst>
-            <a:innerShdw blurRad="101600" dist="88900" dir="13500000">
-              <a:prstClr val="black">
-                <a:alpha val="56000"/>
-              </a:prstClr>
-            </a:innerShdw>
-          </a:effectLst>
-        </p:spPr>
-        <p:style>
-          <a:lnRef idx="2">
-            <a:schemeClr val="accent1">
-              <a:shade val="50000"/>
-            </a:schemeClr>
-          </a:lnRef>
-          <a:fillRef idx="1">
-            <a:schemeClr val="accent1"/>
-          </a:fillRef>
-          <a:effectRef idx="0">
-            <a:schemeClr val="accent1"/>
-          </a:effectRef>
-          <a:fontRef idx="minor">
-            <a:schemeClr val="lt1"/>
-          </a:fontRef>
-        </p:style>
-        <p:txBody>
-          <a:bodyPr rtlCol="0" anchor="ctr"/>
-          <a:lstStyle/>
-          <a:p>
-            <a:pPr algn="ctr"/>
-            <a:endParaRPr lang="en-US" sz="2700">
-              <a:cs typeface="Arial" pitchFamily="34" charset="0"/>
-            </a:endParaRPr>
-          </a:p>
-        </p:txBody>
-      </p:sp>
-      <p:sp>
-        <p:nvSpPr>
-          <p:cNvPr id="6" name="Oval 2">
-            <a:extLst>
-              <a:ext uri="{FF2B5EF4-FFF2-40B4-BE49-F238E27FC236}">
-                <a16:creationId xmlns:a16="http://schemas.microsoft.com/office/drawing/2014/main" id="{242F4770-0D1D-4BCF-A106-9DB5EA461807}"/>
-              </a:ext>
-            </a:extLst>
-          </p:cNvPr>
-          <p:cNvSpPr>
-            <a:spLocks noChangeAspect="1"/>
-          </p:cNvSpPr>
-          <p:nvPr/>
-        </p:nvSpPr>
-        <p:spPr>
-          <a:xfrm>
-            <a:off x="1031377" y="3846604"/>
-            <a:ext cx="731520" cy="731520"/>
-          </a:xfrm>
-          <a:prstGeom prst="ellipse">
-            <a:avLst/>
-          </a:prstGeom>
-          <a:solidFill>
-            <a:schemeClr val="accent2"/>
-          </a:solidFill>
-          <a:ln w="63500">
-            <a:noFill/>
-          </a:ln>
-          <a:effectLst>
-            <a:innerShdw blurRad="101600" dist="88900" dir="13500000">
-              <a:prstClr val="black">
-                <a:alpha val="56000"/>
-              </a:prstClr>
-            </a:innerShdw>
-          </a:effectLst>
-        </p:spPr>
-        <p:style>
-          <a:lnRef idx="2">
-            <a:schemeClr val="accent1">
-              <a:shade val="50000"/>
-            </a:schemeClr>
-          </a:lnRef>
-          <a:fillRef idx="1">
-            <a:schemeClr val="accent1"/>
-          </a:fillRef>
-          <a:effectRef idx="0">
-            <a:schemeClr val="accent1"/>
-          </a:effectRef>
-          <a:fontRef idx="minor">
-            <a:schemeClr val="lt1"/>
-          </a:fontRef>
-        </p:style>
-        <p:txBody>
-          <a:bodyPr rtlCol="0" anchor="ctr"/>
-          <a:lstStyle/>
-          <a:p>
-            <a:pPr algn="ctr"/>
-            <a:endParaRPr lang="en-US" sz="2700">
-              <a:cs typeface="Arial" pitchFamily="34" charset="0"/>
-            </a:endParaRPr>
-          </a:p>
-        </p:txBody>
-      </p:sp>
-      <p:sp>
-        <p:nvSpPr>
           <p:cNvPr id="7" name="Oval 3">
             <a:extLst>
               <a:ext uri="{FF2B5EF4-FFF2-40B4-BE49-F238E27FC236}">
@@ -7777,7 +7651,7 @@
         </p:nvSpPr>
         <p:spPr>
           <a:xfrm>
-            <a:off x="1031377" y="2428112"/>
+            <a:off x="1004121" y="3916856"/>
             <a:ext cx="731520" cy="731520"/>
           </a:xfrm>
           <a:prstGeom prst="ellipse">
@@ -7840,7 +7714,7 @@
         </p:nvSpPr>
         <p:spPr>
           <a:xfrm>
-            <a:off x="1031377" y="1009620"/>
+            <a:off x="975987" y="2399403"/>
             <a:ext cx="731520" cy="731520"/>
           </a:xfrm>
           <a:prstGeom prst="ellipse">
@@ -7901,7 +7775,7 @@
         </p:nvSpPr>
         <p:spPr>
           <a:xfrm>
-            <a:off x="1045444" y="1073455"/>
+            <a:off x="1004121" y="2463237"/>
             <a:ext cx="703386" cy="603851"/>
           </a:xfrm>
           <a:prstGeom prst="rect">
@@ -7948,7 +7822,7 @@
         </p:nvSpPr>
         <p:spPr>
           <a:xfrm>
-            <a:off x="1895516" y="1201713"/>
+            <a:off x="1895515" y="2595886"/>
             <a:ext cx="3488745" cy="338554"/>
           </a:xfrm>
           <a:prstGeom prst="rect">
@@ -7969,7 +7843,7 @@
                 </a:solidFill>
                 <a:cs typeface="Arial" pitchFamily="34" charset="0"/>
               </a:rPr>
-              <a:t>ALLPPT Layout Clean Text Slide</a:t>
+              <a:t>Udemy</a:t>
             </a:r>
             <a:endParaRPr lang="ko-KR" altLang="en-US" sz="1600" b="1" dirty="0">
               <a:solidFill>
@@ -7994,7 +7868,7 @@
         </p:nvSpPr>
         <p:spPr>
           <a:xfrm>
-            <a:off x="1058633" y="2509807"/>
+            <a:off x="1031377" y="3990228"/>
             <a:ext cx="677008" cy="584775"/>
           </a:xfrm>
           <a:prstGeom prst="rect">
@@ -8041,7 +7915,7 @@
         </p:nvSpPr>
         <p:spPr>
           <a:xfrm>
-            <a:off x="1873144" y="2620205"/>
+            <a:off x="1895515" y="4113339"/>
             <a:ext cx="3488745" cy="338554"/>
           </a:xfrm>
           <a:prstGeom prst="rect">
@@ -8056,203 +7930,17 @@
           <a:lstStyle/>
           <a:p>
             <a:r>
-              <a:rPr lang="en-GB" altLang="ko-KR" sz="1600" b="1" dirty="0">
+              <a:rPr lang="en-US" altLang="ko-KR" sz="1600" b="1" dirty="0">
                 <a:solidFill>
                   <a:schemeClr val="accent3"/>
                 </a:solidFill>
                 <a:cs typeface="Arial" pitchFamily="34" charset="0"/>
               </a:rPr>
-              <a:t>ALLPPT Layout Clean Text Slide</a:t>
+              <a:t>Teacheron</a:t>
             </a:r>
             <a:endParaRPr lang="ko-KR" altLang="en-US" sz="1600" b="1" dirty="0">
               <a:solidFill>
                 <a:schemeClr val="accent3"/>
-              </a:solidFill>
-              <a:cs typeface="Arial" pitchFamily="34" charset="0"/>
-            </a:endParaRPr>
-          </a:p>
-        </p:txBody>
-      </p:sp>
-      <p:sp>
-        <p:nvSpPr>
-          <p:cNvPr id="19" name="TextBox 18">
-            <a:extLst>
-              <a:ext uri="{FF2B5EF4-FFF2-40B4-BE49-F238E27FC236}">
-                <a16:creationId xmlns:a16="http://schemas.microsoft.com/office/drawing/2014/main" id="{E3DA5B5B-44B3-4125-9F72-FD376171E17C}"/>
-              </a:ext>
-            </a:extLst>
-          </p:cNvPr>
-          <p:cNvSpPr txBox="1"/>
-          <p:nvPr/>
-        </p:nvSpPr>
-        <p:spPr>
-          <a:xfrm>
-            <a:off x="1058633" y="3927084"/>
-            <a:ext cx="677008" cy="584775"/>
-          </a:xfrm>
-          <a:prstGeom prst="rect">
-            <a:avLst/>
-          </a:prstGeom>
-          <a:noFill/>
-        </p:spPr>
-        <p:txBody>
-          <a:bodyPr wrap="square" lIns="108000" rIns="108000" rtlCol="0">
-            <a:spAutoFit/>
-          </a:bodyPr>
-          <a:lstStyle/>
-          <a:p>
-            <a:pPr algn="ctr"/>
-            <a:r>
-              <a:rPr lang="en-US" altLang="ko-KR" sz="3200" b="1" dirty="0">
-                <a:solidFill>
-                  <a:schemeClr val="bg1"/>
-                </a:solidFill>
-                <a:cs typeface="Arial" pitchFamily="34" charset="0"/>
-              </a:rPr>
-              <a:t>03</a:t>
-            </a:r>
-            <a:endParaRPr lang="ko-KR" altLang="en-US" sz="3200" b="1" dirty="0">
-              <a:solidFill>
-                <a:schemeClr val="bg1"/>
-              </a:solidFill>
-              <a:cs typeface="Arial" pitchFamily="34" charset="0"/>
-            </a:endParaRPr>
-          </a:p>
-        </p:txBody>
-      </p:sp>
-      <p:sp>
-        <p:nvSpPr>
-          <p:cNvPr id="21" name="TextBox 20">
-            <a:extLst>
-              <a:ext uri="{FF2B5EF4-FFF2-40B4-BE49-F238E27FC236}">
-                <a16:creationId xmlns:a16="http://schemas.microsoft.com/office/drawing/2014/main" id="{B44167EA-026E-42EE-9B45-35E69658B2CB}"/>
-              </a:ext>
-            </a:extLst>
-          </p:cNvPr>
-          <p:cNvSpPr txBox="1"/>
-          <p:nvPr/>
-        </p:nvSpPr>
-        <p:spPr>
-          <a:xfrm>
-            <a:off x="1873143" y="4038697"/>
-            <a:ext cx="3488745" cy="338554"/>
-          </a:xfrm>
-          <a:prstGeom prst="rect">
-            <a:avLst/>
-          </a:prstGeom>
-          <a:noFill/>
-        </p:spPr>
-        <p:txBody>
-          <a:bodyPr wrap="square" lIns="108000" rIns="108000" rtlCol="0">
-            <a:spAutoFit/>
-          </a:bodyPr>
-          <a:lstStyle/>
-          <a:p>
-            <a:r>
-              <a:rPr lang="en-GB" altLang="ko-KR" sz="1600" b="1" dirty="0">
-                <a:solidFill>
-                  <a:schemeClr val="accent2"/>
-                </a:solidFill>
-                <a:cs typeface="Arial" pitchFamily="34" charset="0"/>
-              </a:rPr>
-              <a:t>ALLPPT Layout Clean Text Slide</a:t>
-            </a:r>
-            <a:endParaRPr lang="ko-KR" altLang="en-US" sz="1600" b="1" dirty="0">
-              <a:solidFill>
-                <a:schemeClr val="accent2"/>
-              </a:solidFill>
-              <a:cs typeface="Arial" pitchFamily="34" charset="0"/>
-            </a:endParaRPr>
-          </a:p>
-        </p:txBody>
-      </p:sp>
-      <p:sp>
-        <p:nvSpPr>
-          <p:cNvPr id="24" name="TextBox 23">
-            <a:extLst>
-              <a:ext uri="{FF2B5EF4-FFF2-40B4-BE49-F238E27FC236}">
-                <a16:creationId xmlns:a16="http://schemas.microsoft.com/office/drawing/2014/main" id="{67FA19FA-BFAC-469B-A9C1-0EAB8A42EE93}"/>
-              </a:ext>
-            </a:extLst>
-          </p:cNvPr>
-          <p:cNvSpPr txBox="1"/>
-          <p:nvPr/>
-        </p:nvSpPr>
-        <p:spPr>
-          <a:xfrm>
-            <a:off x="1058633" y="5344360"/>
-            <a:ext cx="677008" cy="584775"/>
-          </a:xfrm>
-          <a:prstGeom prst="rect">
-            <a:avLst/>
-          </a:prstGeom>
-          <a:noFill/>
-        </p:spPr>
-        <p:txBody>
-          <a:bodyPr wrap="square" lIns="108000" rIns="108000" rtlCol="0">
-            <a:spAutoFit/>
-          </a:bodyPr>
-          <a:lstStyle/>
-          <a:p>
-            <a:pPr algn="ctr"/>
-            <a:r>
-              <a:rPr lang="en-US" altLang="ko-KR" sz="3200" b="1" dirty="0">
-                <a:solidFill>
-                  <a:schemeClr val="bg1"/>
-                </a:solidFill>
-                <a:cs typeface="Arial" pitchFamily="34" charset="0"/>
-              </a:rPr>
-              <a:t>04</a:t>
-            </a:r>
-            <a:endParaRPr lang="ko-KR" altLang="en-US" sz="3200" b="1" dirty="0">
-              <a:solidFill>
-                <a:schemeClr val="bg1"/>
-              </a:solidFill>
-              <a:cs typeface="Arial" pitchFamily="34" charset="0"/>
-            </a:endParaRPr>
-          </a:p>
-        </p:txBody>
-      </p:sp>
-      <p:sp>
-        <p:nvSpPr>
-          <p:cNvPr id="26" name="TextBox 25">
-            <a:extLst>
-              <a:ext uri="{FF2B5EF4-FFF2-40B4-BE49-F238E27FC236}">
-                <a16:creationId xmlns:a16="http://schemas.microsoft.com/office/drawing/2014/main" id="{4D5E73AD-E784-424E-A2EA-A3AF2528102B}"/>
-              </a:ext>
-            </a:extLst>
-          </p:cNvPr>
-          <p:cNvSpPr txBox="1"/>
-          <p:nvPr/>
-        </p:nvSpPr>
-        <p:spPr>
-          <a:xfrm>
-            <a:off x="1873142" y="5461579"/>
-            <a:ext cx="3488745" cy="338554"/>
-          </a:xfrm>
-          <a:prstGeom prst="rect">
-            <a:avLst/>
-          </a:prstGeom>
-          <a:noFill/>
-        </p:spPr>
-        <p:txBody>
-          <a:bodyPr wrap="square" lIns="108000" rIns="108000" rtlCol="0">
-            <a:spAutoFit/>
-          </a:bodyPr>
-          <a:lstStyle/>
-          <a:p>
-            <a:r>
-              <a:rPr lang="en-GB" altLang="ko-KR" sz="1600" b="1" dirty="0">
-                <a:solidFill>
-                  <a:schemeClr val="accent1"/>
-                </a:solidFill>
-                <a:cs typeface="Arial" pitchFamily="34" charset="0"/>
-              </a:rPr>
-              <a:t>ALLPPT Layout Clean Text Slide</a:t>
-            </a:r>
-            <a:endParaRPr lang="ko-KR" altLang="en-US" sz="1600" b="1" dirty="0">
-              <a:solidFill>
-                <a:schemeClr val="accent1"/>
               </a:solidFill>
               <a:cs typeface="Arial" pitchFamily="34" charset="0"/>
             </a:endParaRPr>
